--- a/Trump Tariff Research_rev00.pptx
+++ b/Trump Tariff Research_rev00.pptx
@@ -14,8 +14,8 @@
     <p:sldId id="262" r:id="rId8"/>
     <p:sldId id="263" r:id="rId9"/>
     <p:sldId id="264" r:id="rId10"/>
-    <p:sldId id="270" r:id="rId11"/>
-    <p:sldId id="269" r:id="rId12"/>
+    <p:sldId id="269" r:id="rId11"/>
+    <p:sldId id="270" r:id="rId12"/>
     <p:sldId id="266" r:id="rId13"/>
     <p:sldId id="271" r:id="rId14"/>
     <p:sldId id="272" r:id="rId15"/>
@@ -5947,138 +5947,190 @@
           <a:chExt cx="0" cy="0"/>
         </a:xfrm>
       </p:grpSpPr>
-      <p:sp>
-        <p:nvSpPr>
-          <p:cNvPr id="2" name="Title 1">
+      <p:pic>
+        <p:nvPicPr>
+          <p:cNvPr id="7" name="Picture 6">
             <a:extLst>
               <a:ext uri="{FF2B5EF4-FFF2-40B4-BE49-F238E27FC236}">
-                <a16:creationId xmlns:a16="http://schemas.microsoft.com/office/drawing/2014/main" id="{A9CA69B1-5808-4C34-81C4-5C53458BA3F7}"/>
+                <a16:creationId xmlns:a16="http://schemas.microsoft.com/office/drawing/2014/main" id="{C835D2E9-DBB7-4AAB-AE17-DD0640335DAA}"/>
               </a:ext>
             </a:extLst>
           </p:cNvPr>
-          <p:cNvSpPr>
-            <a:spLocks noGrp="1"/>
-          </p:cNvSpPr>
-          <p:nvPr>
-            <p:ph type="title"/>
-          </p:nvPr>
-        </p:nvSpPr>
-        <p:spPr/>
-        <p:txBody>
-          <a:bodyPr/>
-          <a:lstStyle/>
-          <a:p>
-            <a:endParaRPr lang="en-PH"/>
-          </a:p>
-        </p:txBody>
-      </p:sp>
-      <p:sp>
-        <p:nvSpPr>
-          <p:cNvPr id="3" name="Content Placeholder 2">
-            <a:extLst>
-              <a:ext uri="{FF2B5EF4-FFF2-40B4-BE49-F238E27FC236}">
-                <a16:creationId xmlns:a16="http://schemas.microsoft.com/office/drawing/2014/main" id="{3B327F33-758B-4F7D-9A30-DDF6A720FF67}"/>
-              </a:ext>
-            </a:extLst>
-          </p:cNvPr>
-          <p:cNvSpPr>
-            <a:spLocks noGrp="1"/>
-          </p:cNvSpPr>
-          <p:nvPr>
-            <p:ph idx="1"/>
-          </p:nvPr>
-        </p:nvSpPr>
-        <p:spPr/>
-        <p:txBody>
-          <a:bodyPr/>
-          <a:lstStyle/>
-          <a:p>
-            <a:endParaRPr lang="en-PH"/>
-          </a:p>
-        </p:txBody>
-      </p:sp>
-      <p:pic>
-        <p:nvPicPr>
-          <p:cNvPr id="4" name="Picture 3">
-            <a:extLst>
-              <a:ext uri="{FF2B5EF4-FFF2-40B4-BE49-F238E27FC236}">
-                <a16:creationId xmlns:a16="http://schemas.microsoft.com/office/drawing/2014/main" id="{A6B83BC6-7F41-441F-ABB7-7270305A94B2}"/>
-              </a:ext>
-            </a:extLst>
-          </p:cNvPr>
-          <p:cNvPicPr/>
+          <p:cNvPicPr>
+            <a:picLocks noChangeAspect="1"/>
+          </p:cNvPicPr>
           <p:nvPr/>
         </p:nvPicPr>
         <p:blipFill>
-          <a:blip r:embed="rId2">
-            <a:extLst>
-              <a:ext uri="{28A0092B-C50C-407E-A947-70E740481C1C}">
-                <a14:useLocalDpi xmlns:a14="http://schemas.microsoft.com/office/drawing/2010/main" val="0"/>
-              </a:ext>
-            </a:extLst>
-          </a:blip>
+          <a:blip r:embed="rId2"/>
           <a:stretch>
             <a:fillRect/>
           </a:stretch>
         </p:blipFill>
         <p:spPr>
           <a:xfrm>
-            <a:off x="586531" y="1312566"/>
-            <a:ext cx="5029200" cy="4051300"/>
+            <a:off x="617553" y="4349953"/>
+            <a:ext cx="4991100" cy="1076325"/>
           </a:xfrm>
           <a:prstGeom prst="rect">
             <a:avLst/>
           </a:prstGeom>
-          <a:ln>
-            <a:solidFill>
-              <a:schemeClr val="tx1"/>
-            </a:solidFill>
-          </a:ln>
         </p:spPr>
       </p:pic>
       <p:pic>
         <p:nvPicPr>
-          <p:cNvPr id="5" name="Picture 4">
+          <p:cNvPr id="8" name="Picture 7">
             <a:extLst>
               <a:ext uri="{FF2B5EF4-FFF2-40B4-BE49-F238E27FC236}">
-                <a16:creationId xmlns:a16="http://schemas.microsoft.com/office/drawing/2014/main" id="{63BA73FD-4F0D-4470-9AF7-D89AEF46AF6E}"/>
+                <a16:creationId xmlns:a16="http://schemas.microsoft.com/office/drawing/2014/main" id="{1707F564-B9C5-49BA-A048-95BF1B4F11D7}"/>
               </a:ext>
             </a:extLst>
           </p:cNvPr>
-          <p:cNvPicPr/>
+          <p:cNvPicPr>
+            <a:picLocks noChangeAspect="1"/>
+          </p:cNvPicPr>
           <p:nvPr/>
         </p:nvPicPr>
         <p:blipFill>
-          <a:blip r:embed="rId3">
-            <a:extLst>
-              <a:ext uri="{28A0092B-C50C-407E-A947-70E740481C1C}">
-                <a14:useLocalDpi xmlns:a14="http://schemas.microsoft.com/office/drawing/2010/main" val="0"/>
-              </a:ext>
-            </a:extLst>
-          </a:blip>
+          <a:blip r:embed="rId3"/>
           <a:stretch>
             <a:fillRect/>
           </a:stretch>
         </p:blipFill>
         <p:spPr>
           <a:xfrm>
-            <a:off x="6047763" y="1312566"/>
-            <a:ext cx="5029200" cy="4051300"/>
+            <a:off x="627078" y="693490"/>
+            <a:ext cx="5038725" cy="1076325"/>
           </a:xfrm>
           <a:prstGeom prst="rect">
             <a:avLst/>
           </a:prstGeom>
-          <a:ln>
-            <a:solidFill>
-              <a:schemeClr val="tx1"/>
-            </a:solidFill>
-          </a:ln>
+        </p:spPr>
+      </p:pic>
+      <p:pic>
+        <p:nvPicPr>
+          <p:cNvPr id="9" name="Picture 8">
+            <a:extLst>
+              <a:ext uri="{FF2B5EF4-FFF2-40B4-BE49-F238E27FC236}">
+                <a16:creationId xmlns:a16="http://schemas.microsoft.com/office/drawing/2014/main" id="{9E7CD0BD-A60F-4DAB-B2D1-816527652824}"/>
+              </a:ext>
+            </a:extLst>
+          </p:cNvPr>
+          <p:cNvPicPr>
+            <a:picLocks noChangeAspect="1"/>
+          </p:cNvPicPr>
+          <p:nvPr/>
+        </p:nvPicPr>
+        <p:blipFill>
+          <a:blip r:embed="rId4"/>
+          <a:stretch>
+            <a:fillRect/>
+          </a:stretch>
+        </p:blipFill>
+        <p:spPr>
+          <a:xfrm>
+            <a:off x="617553" y="2526484"/>
+            <a:ext cx="5048250" cy="1066800"/>
+          </a:xfrm>
+          <a:prstGeom prst="rect">
+            <a:avLst/>
+          </a:prstGeom>
+        </p:spPr>
+      </p:pic>
+      <p:pic>
+        <p:nvPicPr>
+          <p:cNvPr id="10" name="Picture 9">
+            <a:extLst>
+              <a:ext uri="{FF2B5EF4-FFF2-40B4-BE49-F238E27FC236}">
+                <a16:creationId xmlns:a16="http://schemas.microsoft.com/office/drawing/2014/main" id="{5922F798-792A-4B26-A15E-DC5D5E45487C}"/>
+              </a:ext>
+            </a:extLst>
+          </p:cNvPr>
+          <p:cNvPicPr>
+            <a:picLocks noChangeAspect="1"/>
+          </p:cNvPicPr>
+          <p:nvPr/>
+        </p:nvPicPr>
+        <p:blipFill>
+          <a:blip r:embed="rId5"/>
+          <a:stretch>
+            <a:fillRect/>
+          </a:stretch>
+        </p:blipFill>
+        <p:spPr>
+          <a:xfrm>
+            <a:off x="6096000" y="693490"/>
+            <a:ext cx="3924300" cy="647700"/>
+          </a:xfrm>
+          <a:prstGeom prst="rect">
+            <a:avLst/>
+          </a:prstGeom>
+        </p:spPr>
+      </p:pic>
+      <p:pic>
+        <p:nvPicPr>
+          <p:cNvPr id="11" name="Picture 10">
+            <a:extLst>
+              <a:ext uri="{FF2B5EF4-FFF2-40B4-BE49-F238E27FC236}">
+                <a16:creationId xmlns:a16="http://schemas.microsoft.com/office/drawing/2014/main" id="{CC27C5BA-D419-4B9D-8746-AB5677C51350}"/>
+              </a:ext>
+            </a:extLst>
+          </p:cNvPr>
+          <p:cNvPicPr>
+            <a:picLocks noChangeAspect="1"/>
+          </p:cNvPicPr>
+          <p:nvPr/>
+        </p:nvPicPr>
+        <p:blipFill>
+          <a:blip r:embed="rId6"/>
+          <a:stretch>
+            <a:fillRect/>
+          </a:stretch>
+        </p:blipFill>
+        <p:spPr>
+          <a:xfrm>
+            <a:off x="6096000" y="2526484"/>
+            <a:ext cx="3962400" cy="628650"/>
+          </a:xfrm>
+          <a:prstGeom prst="rect">
+            <a:avLst/>
+          </a:prstGeom>
+        </p:spPr>
+      </p:pic>
+      <p:pic>
+        <p:nvPicPr>
+          <p:cNvPr id="12" name="Picture 11">
+            <a:extLst>
+              <a:ext uri="{FF2B5EF4-FFF2-40B4-BE49-F238E27FC236}">
+                <a16:creationId xmlns:a16="http://schemas.microsoft.com/office/drawing/2014/main" id="{CF75F0CB-7B17-4646-A44F-E6ECB0A8629A}"/>
+              </a:ext>
+            </a:extLst>
+          </p:cNvPr>
+          <p:cNvPicPr>
+            <a:picLocks noChangeAspect="1"/>
+          </p:cNvPicPr>
+          <p:nvPr/>
+        </p:nvPicPr>
+        <p:blipFill>
+          <a:blip r:embed="rId7"/>
+          <a:stretch>
+            <a:fillRect/>
+          </a:stretch>
+        </p:blipFill>
+        <p:spPr>
+          <a:xfrm>
+            <a:off x="6096000" y="4349953"/>
+            <a:ext cx="3962400" cy="619125"/>
+          </a:xfrm>
+          <a:prstGeom prst="rect">
+            <a:avLst/>
+          </a:prstGeom>
         </p:spPr>
       </p:pic>
     </p:spTree>
     <p:extLst>
       <p:ext uri="{BB962C8B-B14F-4D97-AF65-F5344CB8AC3E}">
-        <p14:creationId xmlns:p14="http://schemas.microsoft.com/office/powerpoint/2010/main" val="445651356"/>
+        <p14:creationId xmlns:p14="http://schemas.microsoft.com/office/powerpoint/2010/main" val="4125715530"/>
       </p:ext>
     </p:extLst>
   </p:cSld>
@@ -6105,190 +6157,138 @@
           <a:chExt cx="0" cy="0"/>
         </a:xfrm>
       </p:grpSpPr>
-      <p:pic>
-        <p:nvPicPr>
-          <p:cNvPr id="7" name="Picture 6">
+      <p:sp>
+        <p:nvSpPr>
+          <p:cNvPr id="2" name="Title 1">
             <a:extLst>
               <a:ext uri="{FF2B5EF4-FFF2-40B4-BE49-F238E27FC236}">
-                <a16:creationId xmlns:a16="http://schemas.microsoft.com/office/drawing/2014/main" id="{C835D2E9-DBB7-4AAB-AE17-DD0640335DAA}"/>
+                <a16:creationId xmlns:a16="http://schemas.microsoft.com/office/drawing/2014/main" id="{A9CA69B1-5808-4C34-81C4-5C53458BA3F7}"/>
               </a:ext>
             </a:extLst>
           </p:cNvPr>
-          <p:cNvPicPr>
-            <a:picLocks noChangeAspect="1"/>
-          </p:cNvPicPr>
+          <p:cNvSpPr>
+            <a:spLocks noGrp="1"/>
+          </p:cNvSpPr>
+          <p:nvPr>
+            <p:ph type="title"/>
+          </p:nvPr>
+        </p:nvSpPr>
+        <p:spPr/>
+        <p:txBody>
+          <a:bodyPr/>
+          <a:lstStyle/>
+          <a:p>
+            <a:endParaRPr lang="en-PH"/>
+          </a:p>
+        </p:txBody>
+      </p:sp>
+      <p:sp>
+        <p:nvSpPr>
+          <p:cNvPr id="3" name="Content Placeholder 2">
+            <a:extLst>
+              <a:ext uri="{FF2B5EF4-FFF2-40B4-BE49-F238E27FC236}">
+                <a16:creationId xmlns:a16="http://schemas.microsoft.com/office/drawing/2014/main" id="{3B327F33-758B-4F7D-9A30-DDF6A720FF67}"/>
+              </a:ext>
+            </a:extLst>
+          </p:cNvPr>
+          <p:cNvSpPr>
+            <a:spLocks noGrp="1"/>
+          </p:cNvSpPr>
+          <p:nvPr>
+            <p:ph idx="1"/>
+          </p:nvPr>
+        </p:nvSpPr>
+        <p:spPr/>
+        <p:txBody>
+          <a:bodyPr/>
+          <a:lstStyle/>
+          <a:p>
+            <a:endParaRPr lang="en-PH"/>
+          </a:p>
+        </p:txBody>
+      </p:sp>
+      <p:pic>
+        <p:nvPicPr>
+          <p:cNvPr id="4" name="Picture 3">
+            <a:extLst>
+              <a:ext uri="{FF2B5EF4-FFF2-40B4-BE49-F238E27FC236}">
+                <a16:creationId xmlns:a16="http://schemas.microsoft.com/office/drawing/2014/main" id="{A6B83BC6-7F41-441F-ABB7-7270305A94B2}"/>
+              </a:ext>
+            </a:extLst>
+          </p:cNvPr>
+          <p:cNvPicPr/>
           <p:nvPr/>
         </p:nvPicPr>
         <p:blipFill>
-          <a:blip r:embed="rId2"/>
+          <a:blip r:embed="rId2">
+            <a:extLst>
+              <a:ext uri="{28A0092B-C50C-407E-A947-70E740481C1C}">
+                <a14:useLocalDpi xmlns:a14="http://schemas.microsoft.com/office/drawing/2010/main" val="0"/>
+              </a:ext>
+            </a:extLst>
+          </a:blip>
           <a:stretch>
             <a:fillRect/>
           </a:stretch>
         </p:blipFill>
         <p:spPr>
           <a:xfrm>
-            <a:off x="617553" y="4349953"/>
-            <a:ext cx="4991100" cy="1076325"/>
+            <a:off x="586531" y="1312566"/>
+            <a:ext cx="5029200" cy="4051300"/>
           </a:xfrm>
           <a:prstGeom prst="rect">
             <a:avLst/>
           </a:prstGeom>
+          <a:ln>
+            <a:solidFill>
+              <a:schemeClr val="tx1"/>
+            </a:solidFill>
+          </a:ln>
         </p:spPr>
       </p:pic>
       <p:pic>
         <p:nvPicPr>
-          <p:cNvPr id="8" name="Picture 7">
+          <p:cNvPr id="5" name="Picture 4">
             <a:extLst>
               <a:ext uri="{FF2B5EF4-FFF2-40B4-BE49-F238E27FC236}">
-                <a16:creationId xmlns:a16="http://schemas.microsoft.com/office/drawing/2014/main" id="{1707F564-B9C5-49BA-A048-95BF1B4F11D7}"/>
+                <a16:creationId xmlns:a16="http://schemas.microsoft.com/office/drawing/2014/main" id="{63BA73FD-4F0D-4470-9AF7-D89AEF46AF6E}"/>
               </a:ext>
             </a:extLst>
           </p:cNvPr>
-          <p:cNvPicPr>
-            <a:picLocks noChangeAspect="1"/>
-          </p:cNvPicPr>
+          <p:cNvPicPr/>
           <p:nvPr/>
         </p:nvPicPr>
         <p:blipFill>
-          <a:blip r:embed="rId3"/>
+          <a:blip r:embed="rId3">
+            <a:extLst>
+              <a:ext uri="{28A0092B-C50C-407E-A947-70E740481C1C}">
+                <a14:useLocalDpi xmlns:a14="http://schemas.microsoft.com/office/drawing/2010/main" val="0"/>
+              </a:ext>
+            </a:extLst>
+          </a:blip>
           <a:stretch>
             <a:fillRect/>
           </a:stretch>
         </p:blipFill>
         <p:spPr>
           <a:xfrm>
-            <a:off x="627078" y="693490"/>
-            <a:ext cx="5038725" cy="1076325"/>
+            <a:off x="6047763" y="1312566"/>
+            <a:ext cx="5029200" cy="4051300"/>
           </a:xfrm>
           <a:prstGeom prst="rect">
             <a:avLst/>
           </a:prstGeom>
-        </p:spPr>
-      </p:pic>
-      <p:pic>
-        <p:nvPicPr>
-          <p:cNvPr id="9" name="Picture 8">
-            <a:extLst>
-              <a:ext uri="{FF2B5EF4-FFF2-40B4-BE49-F238E27FC236}">
-                <a16:creationId xmlns:a16="http://schemas.microsoft.com/office/drawing/2014/main" id="{9E7CD0BD-A60F-4DAB-B2D1-816527652824}"/>
-              </a:ext>
-            </a:extLst>
-          </p:cNvPr>
-          <p:cNvPicPr>
-            <a:picLocks noChangeAspect="1"/>
-          </p:cNvPicPr>
-          <p:nvPr/>
-        </p:nvPicPr>
-        <p:blipFill>
-          <a:blip r:embed="rId4"/>
-          <a:stretch>
-            <a:fillRect/>
-          </a:stretch>
-        </p:blipFill>
-        <p:spPr>
-          <a:xfrm>
-            <a:off x="617553" y="2526484"/>
-            <a:ext cx="5048250" cy="1066800"/>
-          </a:xfrm>
-          <a:prstGeom prst="rect">
-            <a:avLst/>
-          </a:prstGeom>
-        </p:spPr>
-      </p:pic>
-      <p:pic>
-        <p:nvPicPr>
-          <p:cNvPr id="10" name="Picture 9">
-            <a:extLst>
-              <a:ext uri="{FF2B5EF4-FFF2-40B4-BE49-F238E27FC236}">
-                <a16:creationId xmlns:a16="http://schemas.microsoft.com/office/drawing/2014/main" id="{5922F798-792A-4B26-A15E-DC5D5E45487C}"/>
-              </a:ext>
-            </a:extLst>
-          </p:cNvPr>
-          <p:cNvPicPr>
-            <a:picLocks noChangeAspect="1"/>
-          </p:cNvPicPr>
-          <p:nvPr/>
-        </p:nvPicPr>
-        <p:blipFill>
-          <a:blip r:embed="rId5"/>
-          <a:stretch>
-            <a:fillRect/>
-          </a:stretch>
-        </p:blipFill>
-        <p:spPr>
-          <a:xfrm>
-            <a:off x="6096000" y="693490"/>
-            <a:ext cx="3924300" cy="647700"/>
-          </a:xfrm>
-          <a:prstGeom prst="rect">
-            <a:avLst/>
-          </a:prstGeom>
-        </p:spPr>
-      </p:pic>
-      <p:pic>
-        <p:nvPicPr>
-          <p:cNvPr id="11" name="Picture 10">
-            <a:extLst>
-              <a:ext uri="{FF2B5EF4-FFF2-40B4-BE49-F238E27FC236}">
-                <a16:creationId xmlns:a16="http://schemas.microsoft.com/office/drawing/2014/main" id="{CC27C5BA-D419-4B9D-8746-AB5677C51350}"/>
-              </a:ext>
-            </a:extLst>
-          </p:cNvPr>
-          <p:cNvPicPr>
-            <a:picLocks noChangeAspect="1"/>
-          </p:cNvPicPr>
-          <p:nvPr/>
-        </p:nvPicPr>
-        <p:blipFill>
-          <a:blip r:embed="rId6"/>
-          <a:stretch>
-            <a:fillRect/>
-          </a:stretch>
-        </p:blipFill>
-        <p:spPr>
-          <a:xfrm>
-            <a:off x="6096000" y="2526484"/>
-            <a:ext cx="3962400" cy="628650"/>
-          </a:xfrm>
-          <a:prstGeom prst="rect">
-            <a:avLst/>
-          </a:prstGeom>
-        </p:spPr>
-      </p:pic>
-      <p:pic>
-        <p:nvPicPr>
-          <p:cNvPr id="12" name="Picture 11">
-            <a:extLst>
-              <a:ext uri="{FF2B5EF4-FFF2-40B4-BE49-F238E27FC236}">
-                <a16:creationId xmlns:a16="http://schemas.microsoft.com/office/drawing/2014/main" id="{CF75F0CB-7B17-4646-A44F-E6ECB0A8629A}"/>
-              </a:ext>
-            </a:extLst>
-          </p:cNvPr>
-          <p:cNvPicPr>
-            <a:picLocks noChangeAspect="1"/>
-          </p:cNvPicPr>
-          <p:nvPr/>
-        </p:nvPicPr>
-        <p:blipFill>
-          <a:blip r:embed="rId7"/>
-          <a:stretch>
-            <a:fillRect/>
-          </a:stretch>
-        </p:blipFill>
-        <p:spPr>
-          <a:xfrm>
-            <a:off x="6096000" y="4349953"/>
-            <a:ext cx="3962400" cy="619125"/>
-          </a:xfrm>
-          <a:prstGeom prst="rect">
-            <a:avLst/>
-          </a:prstGeom>
+          <a:ln>
+            <a:solidFill>
+              <a:schemeClr val="tx1"/>
+            </a:solidFill>
+          </a:ln>
         </p:spPr>
       </p:pic>
     </p:spTree>
     <p:extLst>
       <p:ext uri="{BB962C8B-B14F-4D97-AF65-F5344CB8AC3E}">
-        <p14:creationId xmlns:p14="http://schemas.microsoft.com/office/powerpoint/2010/main" val="4125715530"/>
+        <p14:creationId xmlns:p14="http://schemas.microsoft.com/office/powerpoint/2010/main" val="445651356"/>
       </p:ext>
     </p:extLst>
   </p:cSld>
